--- a/docs/MLOps Presentation.pptx
+++ b/docs/MLOps Presentation.pptx
@@ -5,7 +5,7 @@
     <p:sldMasterId id="2147483660" r:id="rId1"/>
   </p:sldMasterIdLst>
   <p:notesMasterIdLst>
-    <p:notesMasterId r:id="rId13"/>
+    <p:notesMasterId r:id="rId14"/>
   </p:notesMasterIdLst>
   <p:sldIdLst>
     <p:sldId id="256" r:id="rId2"/>
@@ -19,6 +19,7 @@
     <p:sldId id="261" r:id="rId10"/>
     <p:sldId id="262" r:id="rId11"/>
     <p:sldId id="267" r:id="rId12"/>
+    <p:sldId id="268" r:id="rId13"/>
   </p:sldIdLst>
   <p:sldSz cx="12192000" cy="6858000"/>
   <p:notesSz cx="6858000" cy="9144000"/>
@@ -117,6 +118,11 @@
       </a:defRPr>
     </a:lvl9pPr>
   </p:defaultTextStyle>
+  <p:extLst>
+    <p:ext uri="{EFAFB233-063F-42B5-8137-9DF3F51BA10A}">
+      <p15:sldGuideLst xmlns:p15="http://schemas.microsoft.com/office/powerpoint/2012/main"/>
+    </p:ext>
+  </p:extLst>
 </p:presentation>
 </file>
 
@@ -202,7 +208,7 @@
           <a:p>
             <a:fld id="{93FD114A-1082-4328-AB1B-9EB01BE90179}" type="datetimeFigureOut">
               <a:rPr lang="en-US" smtClean="0"/>
-              <a:t>10/23/2025</a:t>
+              <a:t>10/24/2025</a:t>
             </a:fld>
             <a:endParaRPr lang="en-US"/>
           </a:p>
@@ -895,6 +901,90 @@
 </p:notes>
 </file>
 
+<file path=ppt/notesSlides/notesSlide6.xml><?xml version="1.0" encoding="utf-8"?>
+<p:notes xmlns:a="http://schemas.openxmlformats.org/drawingml/2006/main" xmlns:r="http://schemas.openxmlformats.org/officeDocument/2006/relationships" xmlns:p="http://schemas.openxmlformats.org/presentationml/2006/main">
+  <p:cSld>
+    <p:spTree>
+      <p:nvGrpSpPr>
+        <p:cNvPr id="1" name=""/>
+        <p:cNvGrpSpPr/>
+        <p:nvPr/>
+      </p:nvGrpSpPr>
+      <p:grpSpPr>
+        <a:xfrm>
+          <a:off x="0" y="0"/>
+          <a:ext cx="0" cy="0"/>
+          <a:chOff x="0" y="0"/>
+          <a:chExt cx="0" cy="0"/>
+        </a:xfrm>
+      </p:grpSpPr>
+      <p:sp>
+        <p:nvSpPr>
+          <p:cNvPr id="2" name="Slide Image Placeholder 1"/>
+          <p:cNvSpPr>
+            <a:spLocks noGrp="1" noRot="1" noChangeAspect="1"/>
+          </p:cNvSpPr>
+          <p:nvPr>
+            <p:ph type="sldImg"/>
+          </p:nvPr>
+        </p:nvSpPr>
+        <p:spPr/>
+      </p:sp>
+      <p:sp>
+        <p:nvSpPr>
+          <p:cNvPr id="3" name="Notes Placeholder 2"/>
+          <p:cNvSpPr>
+            <a:spLocks noGrp="1"/>
+          </p:cNvSpPr>
+          <p:nvPr>
+            <p:ph type="body" idx="1"/>
+          </p:nvPr>
+        </p:nvSpPr>
+        <p:spPr/>
+        <p:txBody>
+          <a:bodyPr/>
+          <a:lstStyle/>
+          <a:p>
+            <a:endParaRPr lang="en-US"/>
+          </a:p>
+        </p:txBody>
+      </p:sp>
+      <p:sp>
+        <p:nvSpPr>
+          <p:cNvPr id="4" name="Slide Number Placeholder 3"/>
+          <p:cNvSpPr>
+            <a:spLocks noGrp="1"/>
+          </p:cNvSpPr>
+          <p:nvPr>
+            <p:ph type="sldNum" sz="quarter" idx="5"/>
+          </p:nvPr>
+        </p:nvSpPr>
+        <p:spPr/>
+        <p:txBody>
+          <a:bodyPr/>
+          <a:lstStyle/>
+          <a:p>
+            <a:fld id="{9F8A3816-3C9A-4427-8527-D8A928091E2F}" type="slidenum">
+              <a:rPr lang="en-US" smtClean="0"/>
+              <a:t>12</a:t>
+            </a:fld>
+            <a:endParaRPr lang="en-US"/>
+          </a:p>
+        </p:txBody>
+      </p:sp>
+    </p:spTree>
+    <p:extLst>
+      <p:ext uri="{BB962C8B-B14F-4D97-AF65-F5344CB8AC3E}">
+        <p14:creationId xmlns:p14="http://schemas.microsoft.com/office/powerpoint/2010/main" val="3264508370"/>
+      </p:ext>
+    </p:extLst>
+  </p:cSld>
+  <p:clrMapOvr>
+    <a:masterClrMapping/>
+  </p:clrMapOvr>
+</p:notes>
+</file>
+
 <file path=ppt/slideLayouts/slideLayout1.xml><?xml version="1.0" encoding="utf-8"?>
 <p:sldLayout xmlns:a="http://schemas.openxmlformats.org/drawingml/2006/main" xmlns:r="http://schemas.openxmlformats.org/officeDocument/2006/relationships" xmlns:p="http://schemas.openxmlformats.org/presentationml/2006/main" type="title" preserve="1">
   <p:cSld name="Title Slide">
@@ -1026,7 +1116,7 @@
           <a:p>
             <a:fld id="{EAD0266A-3D30-4454-B68E-4B7F94249CA9}" type="datetimeFigureOut">
               <a:rPr lang="en-US" smtClean="0"/>
-              <a:t>10/23/2025</a:t>
+              <a:t>10/24/2025</a:t>
             </a:fld>
             <a:endParaRPr lang="en-US"/>
           </a:p>
@@ -1196,7 +1286,7 @@
           <a:p>
             <a:fld id="{EAD0266A-3D30-4454-B68E-4B7F94249CA9}" type="datetimeFigureOut">
               <a:rPr lang="en-US" smtClean="0"/>
-              <a:t>10/23/2025</a:t>
+              <a:t>10/24/2025</a:t>
             </a:fld>
             <a:endParaRPr lang="en-US"/>
           </a:p>
@@ -1376,7 +1466,7 @@
           <a:p>
             <a:fld id="{EAD0266A-3D30-4454-B68E-4B7F94249CA9}" type="datetimeFigureOut">
               <a:rPr lang="en-US" smtClean="0"/>
-              <a:t>10/23/2025</a:t>
+              <a:t>10/24/2025</a:t>
             </a:fld>
             <a:endParaRPr lang="en-US"/>
           </a:p>
@@ -1546,7 +1636,7 @@
           <a:p>
             <a:fld id="{EAD0266A-3D30-4454-B68E-4B7F94249CA9}" type="datetimeFigureOut">
               <a:rPr lang="en-US" smtClean="0"/>
-              <a:t>10/23/2025</a:t>
+              <a:t>10/24/2025</a:t>
             </a:fld>
             <a:endParaRPr lang="en-US"/>
           </a:p>
@@ -1792,7 +1882,7 @@
           <a:p>
             <a:fld id="{EAD0266A-3D30-4454-B68E-4B7F94249CA9}" type="datetimeFigureOut">
               <a:rPr lang="en-US" smtClean="0"/>
-              <a:t>10/23/2025</a:t>
+              <a:t>10/24/2025</a:t>
             </a:fld>
             <a:endParaRPr lang="en-US"/>
           </a:p>
@@ -2024,7 +2114,7 @@
           <a:p>
             <a:fld id="{EAD0266A-3D30-4454-B68E-4B7F94249CA9}" type="datetimeFigureOut">
               <a:rPr lang="en-US" smtClean="0"/>
-              <a:t>10/23/2025</a:t>
+              <a:t>10/24/2025</a:t>
             </a:fld>
             <a:endParaRPr lang="en-US"/>
           </a:p>
@@ -2391,7 +2481,7 @@
           <a:p>
             <a:fld id="{EAD0266A-3D30-4454-B68E-4B7F94249CA9}" type="datetimeFigureOut">
               <a:rPr lang="en-US" smtClean="0"/>
-              <a:t>10/23/2025</a:t>
+              <a:t>10/24/2025</a:t>
             </a:fld>
             <a:endParaRPr lang="en-US"/>
           </a:p>
@@ -2509,7 +2599,7 @@
           <a:p>
             <a:fld id="{EAD0266A-3D30-4454-B68E-4B7F94249CA9}" type="datetimeFigureOut">
               <a:rPr lang="en-US" smtClean="0"/>
-              <a:t>10/23/2025</a:t>
+              <a:t>10/24/2025</a:t>
             </a:fld>
             <a:endParaRPr lang="en-US"/>
           </a:p>
@@ -2604,7 +2694,7 @@
           <a:p>
             <a:fld id="{EAD0266A-3D30-4454-B68E-4B7F94249CA9}" type="datetimeFigureOut">
               <a:rPr lang="en-US" smtClean="0"/>
-              <a:t>10/23/2025</a:t>
+              <a:t>10/24/2025</a:t>
             </a:fld>
             <a:endParaRPr lang="en-US"/>
           </a:p>
@@ -2881,7 +2971,7 @@
           <a:p>
             <a:fld id="{EAD0266A-3D30-4454-B68E-4B7F94249CA9}" type="datetimeFigureOut">
               <a:rPr lang="en-US" smtClean="0"/>
-              <a:t>10/23/2025</a:t>
+              <a:t>10/24/2025</a:t>
             </a:fld>
             <a:endParaRPr lang="en-US"/>
           </a:p>
@@ -3138,7 +3228,7 @@
           <a:p>
             <a:fld id="{EAD0266A-3D30-4454-B68E-4B7F94249CA9}" type="datetimeFigureOut">
               <a:rPr lang="en-US" smtClean="0"/>
-              <a:t>10/23/2025</a:t>
+              <a:t>10/24/2025</a:t>
             </a:fld>
             <a:endParaRPr lang="en-US"/>
           </a:p>
@@ -3351,7 +3441,7 @@
           <a:p>
             <a:fld id="{EAD0266A-3D30-4454-B68E-4B7F94249CA9}" type="datetimeFigureOut">
               <a:rPr lang="en-US" smtClean="0"/>
-              <a:t>10/23/2025</a:t>
+              <a:t>10/24/2025</a:t>
             </a:fld>
             <a:endParaRPr lang="en-US"/>
           </a:p>
@@ -3920,10 +4010,93 @@
           <a:bodyPr/>
           <a:lstStyle/>
           <a:p>
-            <a:endParaRPr lang="en-US" dirty="0"/>
-          </a:p>
-        </p:txBody>
-      </p:sp>
+            <a:r>
+              <a:rPr lang="en-US" dirty="0"/>
+              <a:t>Reduction in operation overhead and fragile production systems</a:t>
+            </a:r>
+          </a:p>
+          <a:p>
+            <a:pPr lvl="1"/>
+            <a:r>
+              <a:rPr lang="en-US" dirty="0"/>
+              <a:t>Reduced deployment time</a:t>
+            </a:r>
+          </a:p>
+          <a:p>
+            <a:pPr lvl="1"/>
+            <a:r>
+              <a:rPr lang="en-US" dirty="0">
+                <a:solidFill>
+                  <a:srgbClr val="249EDC"/>
+                </a:solidFill>
+              </a:rPr>
+              <a:t>Reduced</a:t>
+            </a:r>
+            <a:r>
+              <a:rPr lang="en-US" dirty="0"/>
+              <a:t> duplication / rework</a:t>
+            </a:r>
+          </a:p>
+          <a:p>
+            <a:pPr lvl="1"/>
+            <a:r>
+              <a:rPr lang="en-US" dirty="0"/>
+              <a:t>Faster rollbacks and </a:t>
+            </a:r>
+            <a:r>
+              <a:rPr lang="en-US" dirty="0">
+                <a:solidFill>
+                  <a:srgbClr val="249EDC"/>
+                </a:solidFill>
+              </a:rPr>
+              <a:t>recovery</a:t>
+            </a:r>
+          </a:p>
+          <a:p>
+            <a:pPr lvl="1"/>
+            <a:r>
+              <a:rPr lang="en-US" dirty="0"/>
+              <a:t>Zero broken deployments through automated testing.</a:t>
+            </a:r>
+          </a:p>
+        </p:txBody>
+      </p:sp>
+      <p:pic>
+        <p:nvPicPr>
+          <p:cNvPr id="5" name="Graphic 4" descr="Circular flowchart">
+            <a:extLst>
+              <a:ext uri="{FF2B5EF4-FFF2-40B4-BE49-F238E27FC236}">
+                <a16:creationId xmlns:a16="http://schemas.microsoft.com/office/drawing/2014/main" id="{EC4E0B8A-BE7E-AD8A-9DA4-CBD29DD9702E}"/>
+              </a:ext>
+            </a:extLst>
+          </p:cNvPr>
+          <p:cNvPicPr>
+            <a:picLocks noChangeAspect="1"/>
+          </p:cNvPicPr>
+          <p:nvPr/>
+        </p:nvPicPr>
+        <p:blipFill>
+          <a:blip r:embed="rId2">
+            <a:extLst>
+              <a:ext uri="{96DAC541-7B7A-43D3-8B79-37D633B846F1}">
+                <asvg:svgBlip xmlns:asvg="http://schemas.microsoft.com/office/drawing/2016/SVG/main" r:embed="rId3"/>
+              </a:ext>
+            </a:extLst>
+          </a:blip>
+          <a:stretch>
+            <a:fillRect/>
+          </a:stretch>
+        </p:blipFill>
+        <p:spPr>
+          <a:xfrm>
+            <a:off x="10896600" y="5719763"/>
+            <a:ext cx="914400" cy="914400"/>
+          </a:xfrm>
+          <a:prstGeom prst="rect">
+            <a:avLst/>
+          </a:prstGeom>
+        </p:spPr>
+      </p:pic>
     </p:spTree>
     <p:extLst>
       <p:ext uri="{BB962C8B-B14F-4D97-AF65-F5344CB8AC3E}">
@@ -3978,7 +4151,10 @@
           <a:bodyPr/>
           <a:lstStyle/>
           <a:p>
-            <a:endParaRPr lang="en-US"/>
+            <a:r>
+              <a:rPr lang="en-US" dirty="0"/>
+              <a:t>Operations</a:t>
+            </a:r>
           </a:p>
         </p:txBody>
       </p:sp>
@@ -4000,17 +4176,299 @@
         </p:nvSpPr>
         <p:spPr/>
         <p:txBody>
-          <a:bodyPr/>
+          <a:bodyPr>
+            <a:normAutofit/>
+          </a:bodyPr>
           <a:lstStyle/>
           <a:p>
-            <a:endParaRPr lang="en-US"/>
-          </a:p>
-        </p:txBody>
-      </p:sp>
+            <a:r>
+              <a:rPr lang="en-US" sz="1800" dirty="0"/>
+              <a:t>Addressed:</a:t>
+            </a:r>
+          </a:p>
+          <a:p>
+            <a:pPr lvl="1"/>
+            <a:r>
+              <a:rPr lang="en-US" sz="1800" dirty="0"/>
+              <a:t>Reduced friction and risk through automated deployments and rollback</a:t>
+            </a:r>
+          </a:p>
+          <a:p>
+            <a:pPr lvl="1"/>
+            <a:r>
+              <a:rPr lang="en-US" sz="1800" dirty="0"/>
+              <a:t>Standardized </a:t>
+            </a:r>
+            <a:r>
+              <a:rPr lang="en-US" sz="1800" dirty="0">
+                <a:solidFill>
+                  <a:srgbClr val="249EDC"/>
+                </a:solidFill>
+              </a:rPr>
+              <a:t>quality</a:t>
+            </a:r>
+            <a:r>
+              <a:rPr lang="en-US" sz="1800" dirty="0"/>
+              <a:t> through repository framework and automated testing</a:t>
+            </a:r>
+          </a:p>
+          <a:p>
+            <a:pPr lvl="1"/>
+            <a:r>
+              <a:rPr lang="en-US" sz="1800" dirty="0"/>
+              <a:t>Structured </a:t>
+            </a:r>
+            <a:r>
+              <a:rPr lang="en-US" sz="1800" dirty="0">
+                <a:solidFill>
+                  <a:srgbClr val="249EDC"/>
+                </a:solidFill>
+              </a:rPr>
+              <a:t>governance</a:t>
+            </a:r>
+            <a:r>
+              <a:rPr lang="en-US" sz="1800" dirty="0"/>
+              <a:t> with lineage, audit trails, and monitoring</a:t>
+            </a:r>
+          </a:p>
+          <a:p>
+            <a:endParaRPr lang="en-US" sz="1800" dirty="0"/>
+          </a:p>
+          <a:p>
+            <a:r>
+              <a:rPr lang="en-US" sz="1800" dirty="0"/>
+              <a:t>Realizing:</a:t>
+            </a:r>
+          </a:p>
+          <a:p>
+            <a:pPr lvl="1"/>
+            <a:r>
+              <a:rPr lang="en-US" sz="1800" dirty="0">
+                <a:solidFill>
+                  <a:srgbClr val="249EDC"/>
+                </a:solidFill>
+              </a:rPr>
+              <a:t>Faster</a:t>
+            </a:r>
+            <a:r>
+              <a:rPr lang="en-US" sz="1800" dirty="0"/>
+              <a:t> time to market</a:t>
+            </a:r>
+          </a:p>
+          <a:p>
+            <a:pPr lvl="1"/>
+            <a:r>
+              <a:rPr lang="en-US" sz="1800" dirty="0"/>
+              <a:t>Reeducation in operation risk incidence</a:t>
+            </a:r>
+          </a:p>
+          <a:p>
+            <a:pPr lvl="1"/>
+            <a:r>
+              <a:rPr lang="en-US" sz="1800" dirty="0"/>
+              <a:t>Increase in compliance / audit</a:t>
+            </a:r>
+          </a:p>
+          <a:p>
+            <a:pPr lvl="1"/>
+            <a:r>
+              <a:rPr lang="en-US" sz="1800" dirty="0"/>
+              <a:t>Increased </a:t>
+            </a:r>
+            <a:r>
+              <a:rPr lang="en-US" sz="1800" dirty="0">
+                <a:solidFill>
+                  <a:srgbClr val="249EDC"/>
+                </a:solidFill>
+              </a:rPr>
+              <a:t>productivity</a:t>
+            </a:r>
+          </a:p>
+          <a:p>
+            <a:pPr marL="457200" lvl="1" indent="0">
+              <a:buNone/>
+            </a:pPr>
+            <a:endParaRPr lang="en-US" sz="1800" dirty="0"/>
+          </a:p>
+          <a:p>
+            <a:pPr marL="0" indent="0">
+              <a:buNone/>
+            </a:pPr>
+            <a:r>
+              <a:rPr lang="en-US" dirty="0"/>
+              <a:t>Bottom Line: </a:t>
+            </a:r>
+            <a:r>
+              <a:rPr lang="en-US" dirty="0">
+                <a:solidFill>
+                  <a:srgbClr val="249EDC"/>
+                </a:solidFill>
+              </a:rPr>
+              <a:t>$$$ Savings with 90-day break even</a:t>
+            </a:r>
+          </a:p>
+          <a:p>
+            <a:pPr lvl="1"/>
+            <a:endParaRPr lang="en-US" dirty="0"/>
+          </a:p>
+        </p:txBody>
+      </p:sp>
+      <p:pic>
+        <p:nvPicPr>
+          <p:cNvPr id="5" name="Graphic 4" descr="Business Growth">
+            <a:extLst>
+              <a:ext uri="{FF2B5EF4-FFF2-40B4-BE49-F238E27FC236}">
+                <a16:creationId xmlns:a16="http://schemas.microsoft.com/office/drawing/2014/main" id="{F6700E67-7FC1-FAB3-A274-47C5119BEA59}"/>
+              </a:ext>
+            </a:extLst>
+          </p:cNvPr>
+          <p:cNvPicPr>
+            <a:picLocks noChangeAspect="1"/>
+          </p:cNvPicPr>
+          <p:nvPr/>
+        </p:nvPicPr>
+        <p:blipFill>
+          <a:blip r:embed="rId2">
+            <a:extLst>
+              <a:ext uri="{96DAC541-7B7A-43D3-8B79-37D633B846F1}">
+                <asvg:svgBlip xmlns:asvg="http://schemas.microsoft.com/office/drawing/2016/SVG/main" r:embed="rId3"/>
+              </a:ext>
+            </a:extLst>
+          </a:blip>
+          <a:stretch>
+            <a:fillRect/>
+          </a:stretch>
+        </p:blipFill>
+        <p:spPr>
+          <a:xfrm>
+            <a:off x="10896600" y="5262563"/>
+            <a:ext cx="914400" cy="914400"/>
+          </a:xfrm>
+          <a:prstGeom prst="rect">
+            <a:avLst/>
+          </a:prstGeom>
+        </p:spPr>
+      </p:pic>
     </p:spTree>
     <p:extLst>
       <p:ext uri="{BB962C8B-B14F-4D97-AF65-F5344CB8AC3E}">
         <p14:creationId xmlns:p14="http://schemas.microsoft.com/office/powerpoint/2010/main" val="1200075067"/>
+      </p:ext>
+    </p:extLst>
+  </p:cSld>
+  <p:clrMapOvr>
+    <a:masterClrMapping/>
+  </p:clrMapOvr>
+</p:sld>
+</file>
+
+<file path=ppt/slides/slide12.xml><?xml version="1.0" encoding="utf-8"?>
+<p:sld xmlns:a="http://schemas.openxmlformats.org/drawingml/2006/main" xmlns:r="http://schemas.openxmlformats.org/officeDocument/2006/relationships" xmlns:p="http://schemas.openxmlformats.org/presentationml/2006/main">
+  <p:cSld>
+    <p:spTree>
+      <p:nvGrpSpPr>
+        <p:cNvPr id="1" name=""/>
+        <p:cNvGrpSpPr/>
+        <p:nvPr/>
+      </p:nvGrpSpPr>
+      <p:grpSpPr>
+        <a:xfrm>
+          <a:off x="0" y="0"/>
+          <a:ext cx="0" cy="0"/>
+          <a:chOff x="0" y="0"/>
+          <a:chExt cx="0" cy="0"/>
+        </a:xfrm>
+      </p:grpSpPr>
+      <p:sp>
+        <p:nvSpPr>
+          <p:cNvPr id="2" name="Title 1">
+            <a:extLst>
+              <a:ext uri="{FF2B5EF4-FFF2-40B4-BE49-F238E27FC236}">
+                <a16:creationId xmlns:a16="http://schemas.microsoft.com/office/drawing/2014/main" id="{7BBDD204-6BAD-96C2-336E-3672C8AAA6D7}"/>
+              </a:ext>
+            </a:extLst>
+          </p:cNvPr>
+          <p:cNvSpPr>
+            <a:spLocks noGrp="1"/>
+          </p:cNvSpPr>
+          <p:nvPr>
+            <p:ph type="title"/>
+          </p:nvPr>
+        </p:nvSpPr>
+        <p:spPr/>
+        <p:txBody>
+          <a:bodyPr/>
+          <a:lstStyle/>
+          <a:p>
+            <a:r>
+              <a:rPr lang="en-US" dirty="0"/>
+              <a:t>Questions?</a:t>
+            </a:r>
+          </a:p>
+        </p:txBody>
+      </p:sp>
+      <p:sp>
+        <p:nvSpPr>
+          <p:cNvPr id="4" name="Text Placeholder 3">
+            <a:extLst>
+              <a:ext uri="{FF2B5EF4-FFF2-40B4-BE49-F238E27FC236}">
+                <a16:creationId xmlns:a16="http://schemas.microsoft.com/office/drawing/2014/main" id="{8B5BD7F5-1D6A-4215-BA91-0A92B38EFABF}"/>
+              </a:ext>
+            </a:extLst>
+          </p:cNvPr>
+          <p:cNvSpPr>
+            <a:spLocks noGrp="1"/>
+          </p:cNvSpPr>
+          <p:nvPr>
+            <p:ph type="body" idx="1"/>
+          </p:nvPr>
+        </p:nvSpPr>
+        <p:spPr/>
+        <p:txBody>
+          <a:bodyPr/>
+          <a:lstStyle/>
+          <a:p>
+            <a:endParaRPr lang="en-US" dirty="0">
+              <a:solidFill>
+                <a:srgbClr val="249EDC"/>
+              </a:solidFill>
+              <a:hlinkClick r:id="rId3">
+                <a:extLst>
+                  <a:ext uri="{A12FA001-AC4F-418D-AE19-62706E023703}">
+                    <ahyp:hlinkClr xmlns:ahyp="http://schemas.microsoft.com/office/drawing/2018/hyperlinkcolor" val="tx"/>
+                  </a:ext>
+                </a:extLst>
+              </a:hlinkClick>
+            </a:endParaRPr>
+          </a:p>
+          <a:p>
+            <a:r>
+              <a:rPr lang="en-US" dirty="0">
+                <a:solidFill>
+                  <a:srgbClr val="249EDC"/>
+                </a:solidFill>
+                <a:hlinkClick r:id="rId3">
+                  <a:extLst>
+                    <a:ext uri="{A12FA001-AC4F-418D-AE19-62706E023703}">
+                      <ahyp:hlinkClr xmlns:ahyp="http://schemas.microsoft.com/office/drawing/2018/hyperlinkcolor" val="tx"/>
+                    </a:ext>
+                  </a:extLst>
+                </a:hlinkClick>
+              </a:rPr>
+              <a:t>Reference Repository</a:t>
+            </a:r>
+            <a:endParaRPr lang="en-US" dirty="0">
+              <a:solidFill>
+                <a:srgbClr val="249EDC"/>
+              </a:solidFill>
+            </a:endParaRPr>
+          </a:p>
+        </p:txBody>
+      </p:sp>
+    </p:spTree>
+    <p:extLst>
+      <p:ext uri="{BB962C8B-B14F-4D97-AF65-F5344CB8AC3E}">
+        <p14:creationId xmlns:p14="http://schemas.microsoft.com/office/powerpoint/2010/main" val="2132978225"/>
       </p:ext>
     </p:extLst>
   </p:cSld>
@@ -7369,7 +7827,19 @@
           <a:p>
             <a:r>
               <a:rPr lang="en-US" sz="1800" dirty="0"/>
-              <a:t>Minimum improvement threshold (e.g., +2% accuracy)</a:t>
+              <a:t>Minimum </a:t>
+            </a:r>
+            <a:r>
+              <a:rPr lang="en-US" sz="1800" dirty="0">
+                <a:solidFill>
+                  <a:srgbClr val="249EDC"/>
+                </a:solidFill>
+              </a:rPr>
+              <a:t>improvement</a:t>
+            </a:r>
+            <a:r>
+              <a:rPr lang="en-US" sz="1800" dirty="0"/>
+              <a:t> threshold (e.g., +2% accuracy)</a:t>
             </a:r>
           </a:p>
           <a:p>
@@ -7386,57 +7856,65 @@
           </a:p>
           <a:p>
             <a:r>
-              <a:rPr lang="en-US" sz="1800" dirty="0"/>
-              <a:t>Reproducibility Guarantees</a:t>
-            </a:r>
-          </a:p>
-          <a:p>
-            <a:r>
-              <a:rPr lang="en-US" sz="1800" dirty="0"/>
+              <a:rPr lang="en-US" sz="1800" dirty="0">
+                <a:solidFill>
+                  <a:srgbClr val="249EDC"/>
+                </a:solidFill>
+              </a:rPr>
+              <a:t>Reproducibility</a:t>
+            </a:r>
+          </a:p>
+          <a:p>
+            <a:pPr lvl="1"/>
+            <a:r>
+              <a:rPr lang="en-US" sz="1400" dirty="0"/>
               <a:t>Data versioning: FEAST point-in-time features</a:t>
             </a:r>
           </a:p>
           <a:p>
-            <a:r>
-              <a:rPr lang="en-US" sz="1800" dirty="0"/>
+            <a:pPr lvl="1"/>
+            <a:r>
+              <a:rPr lang="en-US" sz="1400" dirty="0"/>
               <a:t>Environment versioning: </a:t>
             </a:r>
             <a:r>
-              <a:rPr lang="en-US" sz="1800" dirty="0" err="1"/>
+              <a:rPr lang="en-US" sz="1400" dirty="0" err="1"/>
               <a:t>MLflow</a:t>
             </a:r>
             <a:r>
-              <a:rPr lang="en-US" sz="1800" dirty="0"/>
+              <a:rPr lang="en-US" sz="1400" dirty="0"/>
               <a:t> auto-logs </a:t>
             </a:r>
             <a:r>
-              <a:rPr lang="en-US" sz="1800" dirty="0" err="1"/>
+              <a:rPr lang="en-US" sz="1400" dirty="0" err="1"/>
               <a:t>conda.yaml</a:t>
             </a:r>
-            <a:endParaRPr lang="en-US" sz="1800" dirty="0"/>
-          </a:p>
-          <a:p>
-            <a:r>
-              <a:rPr lang="en-US" sz="1800" dirty="0"/>
+            <a:endParaRPr lang="en-US" sz="1400" dirty="0"/>
+          </a:p>
+          <a:p>
+            <a:pPr lvl="1"/>
+            <a:r>
+              <a:rPr lang="en-US" sz="1400" dirty="0"/>
               <a:t>Code versioning: Git SHA tagged in </a:t>
             </a:r>
             <a:r>
-              <a:rPr lang="en-US" sz="1800" dirty="0" err="1"/>
+              <a:rPr lang="en-US" sz="1400" dirty="0" err="1"/>
               <a:t>MLflow</a:t>
             </a:r>
-            <a:endParaRPr lang="en-US" sz="1800" dirty="0"/>
-          </a:p>
-          <a:p>
-            <a:r>
-              <a:rPr lang="en-US" sz="1800" dirty="0"/>
+            <a:endParaRPr lang="en-US" sz="1400" dirty="0"/>
+          </a:p>
+          <a:p>
+            <a:pPr lvl="1"/>
+            <a:r>
+              <a:rPr lang="en-US" sz="1400" dirty="0"/>
               <a:t>Hyperparameter tracking: All ‘n’ </a:t>
             </a:r>
             <a:r>
-              <a:rPr lang="en-US" sz="1800" dirty="0" err="1"/>
+              <a:rPr lang="en-US" sz="1400" dirty="0" err="1"/>
               <a:t>Hyperopt</a:t>
             </a:r>
             <a:r>
-              <a:rPr lang="en-US" sz="1800" dirty="0"/>
+              <a:rPr lang="en-US" sz="1400" dirty="0"/>
               <a:t> trials logged</a:t>
             </a:r>
           </a:p>
